--- a/DRUG SUPPLY CHAIN MANAGEMENT SYSTEM.pptx
+++ b/DRUG SUPPLY CHAIN MANAGEMENT SYSTEM.pptx
@@ -10,7 +10,15 @@
     <p:sldId id="265" r:id="rId4"/>
     <p:sldId id="266" r:id="rId5"/>
     <p:sldId id="267" r:id="rId6"/>
-    <p:sldId id="264" r:id="rId7"/>
+    <p:sldId id="268" r:id="rId7"/>
+    <p:sldId id="269" r:id="rId8"/>
+    <p:sldId id="270" r:id="rId9"/>
+    <p:sldId id="271" r:id="rId10"/>
+    <p:sldId id="272" r:id="rId11"/>
+    <p:sldId id="273" r:id="rId12"/>
+    <p:sldId id="274" r:id="rId13"/>
+    <p:sldId id="275" r:id="rId14"/>
+    <p:sldId id="264" r:id="rId15"/>
   </p:sldIdLst>
   <p:sldSz cx="12192000" cy="6858000"/>
   <p:notesSz cx="6858000" cy="9144000"/>
@@ -4631,19 +4639,19 @@
           <a:p>
             <a:r>
               <a:rPr lang="en-US" i="1" dirty="0"/>
-              <a:t>Andrea Sequeria</a:t>
+              <a:t>Andrea Sequeria - 002619793</a:t>
             </a:r>
           </a:p>
           <a:p>
             <a:r>
               <a:rPr lang="en-US" i="1" dirty="0"/>
-              <a:t>Bhagyashri Chavan</a:t>
+              <a:t>Bhagyashri Chavan -002939515</a:t>
             </a:r>
           </a:p>
           <a:p>
             <a:r>
               <a:rPr lang="en-US" i="1" dirty="0"/>
-              <a:t>Rutuja Patil</a:t>
+              <a:t>Rutuja Patil - 002728420</a:t>
             </a:r>
           </a:p>
         </p:txBody>
@@ -4768,6 +4776,352 @@
     <p:extLst>
       <p:ext uri="{BB962C8B-B14F-4D97-AF65-F5344CB8AC3E}">
         <p14:creationId xmlns:p14="http://schemas.microsoft.com/office/powerpoint/2010/main" val="3320230058"/>
+      </p:ext>
+    </p:extLst>
+  </p:cSld>
+  <p:clrMapOvr>
+    <a:masterClrMapping/>
+  </p:clrMapOvr>
+</p:sld>
+</file>
+
+<file path=ppt/slides/slide10.xml><?xml version="1.0" encoding="utf-8"?>
+<p:sld xmlns:a="http://schemas.openxmlformats.org/drawingml/2006/main" xmlns:r="http://schemas.openxmlformats.org/officeDocument/2006/relationships" xmlns:p="http://schemas.openxmlformats.org/presentationml/2006/main">
+  <p:cSld>
+    <p:spTree>
+      <p:nvGrpSpPr>
+        <p:cNvPr id="1" name=""/>
+        <p:cNvGrpSpPr/>
+        <p:nvPr/>
+      </p:nvGrpSpPr>
+      <p:grpSpPr>
+        <a:xfrm>
+          <a:off x="0" y="0"/>
+          <a:ext cx="0" cy="0"/>
+          <a:chOff x="0" y="0"/>
+          <a:chExt cx="0" cy="0"/>
+        </a:xfrm>
+      </p:grpSpPr>
+      <p:pic>
+        <p:nvPicPr>
+          <p:cNvPr id="3" name="Picture 2" descr="A screenshot of a computer&#10;&#10;Description automatically generated">
+            <a:extLst>
+              <a:ext uri="{FF2B5EF4-FFF2-40B4-BE49-F238E27FC236}">
+                <a16:creationId xmlns:a16="http://schemas.microsoft.com/office/drawing/2014/main" id="{FF32EF5B-8AC8-229C-CA44-D42105EB129F}"/>
+              </a:ext>
+            </a:extLst>
+          </p:cNvPr>
+          <p:cNvPicPr>
+            <a:picLocks noChangeAspect="1"/>
+          </p:cNvPicPr>
+          <p:nvPr/>
+        </p:nvPicPr>
+        <p:blipFill>
+          <a:blip r:embed="rId2">
+            <a:extLst>
+              <a:ext uri="{28A0092B-C50C-407E-A947-70E740481C1C}">
+                <a14:useLocalDpi xmlns:a14="http://schemas.microsoft.com/office/drawing/2010/main" val="0"/>
+              </a:ext>
+            </a:extLst>
+          </a:blip>
+          <a:stretch>
+            <a:fillRect/>
+          </a:stretch>
+        </p:blipFill>
+        <p:spPr>
+          <a:xfrm>
+            <a:off x="0" y="0"/>
+            <a:ext cx="12192000" cy="6858000"/>
+          </a:xfrm>
+          <a:prstGeom prst="rect">
+            <a:avLst/>
+          </a:prstGeom>
+        </p:spPr>
+      </p:pic>
+    </p:spTree>
+    <p:extLst>
+      <p:ext uri="{BB962C8B-B14F-4D97-AF65-F5344CB8AC3E}">
+        <p14:creationId xmlns:p14="http://schemas.microsoft.com/office/powerpoint/2010/main" val="563400148"/>
+      </p:ext>
+    </p:extLst>
+  </p:cSld>
+  <p:clrMapOvr>
+    <a:masterClrMapping/>
+  </p:clrMapOvr>
+</p:sld>
+</file>
+
+<file path=ppt/slides/slide11.xml><?xml version="1.0" encoding="utf-8"?>
+<p:sld xmlns:a="http://schemas.openxmlformats.org/drawingml/2006/main" xmlns:r="http://schemas.openxmlformats.org/officeDocument/2006/relationships" xmlns:p="http://schemas.openxmlformats.org/presentationml/2006/main">
+  <p:cSld>
+    <p:spTree>
+      <p:nvGrpSpPr>
+        <p:cNvPr id="1" name=""/>
+        <p:cNvGrpSpPr/>
+        <p:nvPr/>
+      </p:nvGrpSpPr>
+      <p:grpSpPr>
+        <a:xfrm>
+          <a:off x="0" y="0"/>
+          <a:ext cx="0" cy="0"/>
+          <a:chOff x="0" y="0"/>
+          <a:chExt cx="0" cy="0"/>
+        </a:xfrm>
+      </p:grpSpPr>
+      <p:pic>
+        <p:nvPicPr>
+          <p:cNvPr id="3" name="Picture 2" descr="A screenshot of a computer&#10;&#10;Description automatically generated">
+            <a:extLst>
+              <a:ext uri="{FF2B5EF4-FFF2-40B4-BE49-F238E27FC236}">
+                <a16:creationId xmlns:a16="http://schemas.microsoft.com/office/drawing/2014/main" id="{7C2ABE53-E45B-B880-7752-40E1F683217D}"/>
+              </a:ext>
+            </a:extLst>
+          </p:cNvPr>
+          <p:cNvPicPr>
+            <a:picLocks noChangeAspect="1"/>
+          </p:cNvPicPr>
+          <p:nvPr/>
+        </p:nvPicPr>
+        <p:blipFill>
+          <a:blip r:embed="rId2">
+            <a:extLst>
+              <a:ext uri="{28A0092B-C50C-407E-A947-70E740481C1C}">
+                <a14:useLocalDpi xmlns:a14="http://schemas.microsoft.com/office/drawing/2010/main" val="0"/>
+              </a:ext>
+            </a:extLst>
+          </a:blip>
+          <a:stretch>
+            <a:fillRect/>
+          </a:stretch>
+        </p:blipFill>
+        <p:spPr>
+          <a:xfrm>
+            <a:off x="0" y="0"/>
+            <a:ext cx="12192000" cy="6858000"/>
+          </a:xfrm>
+          <a:prstGeom prst="rect">
+            <a:avLst/>
+          </a:prstGeom>
+        </p:spPr>
+      </p:pic>
+    </p:spTree>
+    <p:extLst>
+      <p:ext uri="{BB962C8B-B14F-4D97-AF65-F5344CB8AC3E}">
+        <p14:creationId xmlns:p14="http://schemas.microsoft.com/office/powerpoint/2010/main" val="1464707328"/>
+      </p:ext>
+    </p:extLst>
+  </p:cSld>
+  <p:clrMapOvr>
+    <a:masterClrMapping/>
+  </p:clrMapOvr>
+</p:sld>
+</file>
+
+<file path=ppt/slides/slide12.xml><?xml version="1.0" encoding="utf-8"?>
+<p:sld xmlns:a="http://schemas.openxmlformats.org/drawingml/2006/main" xmlns:r="http://schemas.openxmlformats.org/officeDocument/2006/relationships" xmlns:p="http://schemas.openxmlformats.org/presentationml/2006/main">
+  <p:cSld>
+    <p:spTree>
+      <p:nvGrpSpPr>
+        <p:cNvPr id="1" name=""/>
+        <p:cNvGrpSpPr/>
+        <p:nvPr/>
+      </p:nvGrpSpPr>
+      <p:grpSpPr>
+        <a:xfrm>
+          <a:off x="0" y="0"/>
+          <a:ext cx="0" cy="0"/>
+          <a:chOff x="0" y="0"/>
+          <a:chExt cx="0" cy="0"/>
+        </a:xfrm>
+      </p:grpSpPr>
+      <p:pic>
+        <p:nvPicPr>
+          <p:cNvPr id="3" name="Picture 2" descr="A screenshot of a computer&#10;&#10;Description automatically generated">
+            <a:extLst>
+              <a:ext uri="{FF2B5EF4-FFF2-40B4-BE49-F238E27FC236}">
+                <a16:creationId xmlns:a16="http://schemas.microsoft.com/office/drawing/2014/main" id="{D748804C-072B-429B-CF5D-1DF5FE01E822}"/>
+              </a:ext>
+            </a:extLst>
+          </p:cNvPr>
+          <p:cNvPicPr>
+            <a:picLocks noChangeAspect="1"/>
+          </p:cNvPicPr>
+          <p:nvPr/>
+        </p:nvPicPr>
+        <p:blipFill>
+          <a:blip r:embed="rId2">
+            <a:extLst>
+              <a:ext uri="{28A0092B-C50C-407E-A947-70E740481C1C}">
+                <a14:useLocalDpi xmlns:a14="http://schemas.microsoft.com/office/drawing/2010/main" val="0"/>
+              </a:ext>
+            </a:extLst>
+          </a:blip>
+          <a:stretch>
+            <a:fillRect/>
+          </a:stretch>
+        </p:blipFill>
+        <p:spPr>
+          <a:xfrm>
+            <a:off x="0" y="0"/>
+            <a:ext cx="12192000" cy="6858000"/>
+          </a:xfrm>
+          <a:prstGeom prst="rect">
+            <a:avLst/>
+          </a:prstGeom>
+        </p:spPr>
+      </p:pic>
+    </p:spTree>
+    <p:extLst>
+      <p:ext uri="{BB962C8B-B14F-4D97-AF65-F5344CB8AC3E}">
+        <p14:creationId xmlns:p14="http://schemas.microsoft.com/office/powerpoint/2010/main" val="1368797535"/>
+      </p:ext>
+    </p:extLst>
+  </p:cSld>
+  <p:clrMapOvr>
+    <a:masterClrMapping/>
+  </p:clrMapOvr>
+</p:sld>
+</file>
+
+<file path=ppt/slides/slide13.xml><?xml version="1.0" encoding="utf-8"?>
+<p:sld xmlns:a="http://schemas.openxmlformats.org/drawingml/2006/main" xmlns:r="http://schemas.openxmlformats.org/officeDocument/2006/relationships" xmlns:p="http://schemas.openxmlformats.org/presentationml/2006/main">
+  <p:cSld>
+    <p:spTree>
+      <p:nvGrpSpPr>
+        <p:cNvPr id="1" name=""/>
+        <p:cNvGrpSpPr/>
+        <p:nvPr/>
+      </p:nvGrpSpPr>
+      <p:grpSpPr>
+        <a:xfrm>
+          <a:off x="0" y="0"/>
+          <a:ext cx="0" cy="0"/>
+          <a:chOff x="0" y="0"/>
+          <a:chExt cx="0" cy="0"/>
+        </a:xfrm>
+      </p:grpSpPr>
+      <p:pic>
+        <p:nvPicPr>
+          <p:cNvPr id="3" name="Picture 2" descr="A screenshot of a computer&#10;&#10;Description automatically generated">
+            <a:extLst>
+              <a:ext uri="{FF2B5EF4-FFF2-40B4-BE49-F238E27FC236}">
+                <a16:creationId xmlns:a16="http://schemas.microsoft.com/office/drawing/2014/main" id="{70DFDB86-EEAD-CE94-9313-4E666070A33A}"/>
+              </a:ext>
+            </a:extLst>
+          </p:cNvPr>
+          <p:cNvPicPr>
+            <a:picLocks noChangeAspect="1"/>
+          </p:cNvPicPr>
+          <p:nvPr/>
+        </p:nvPicPr>
+        <p:blipFill>
+          <a:blip r:embed="rId2">
+            <a:extLst>
+              <a:ext uri="{28A0092B-C50C-407E-A947-70E740481C1C}">
+                <a14:useLocalDpi xmlns:a14="http://schemas.microsoft.com/office/drawing/2010/main" val="0"/>
+              </a:ext>
+            </a:extLst>
+          </a:blip>
+          <a:stretch>
+            <a:fillRect/>
+          </a:stretch>
+        </p:blipFill>
+        <p:spPr>
+          <a:xfrm>
+            <a:off x="0" y="0"/>
+            <a:ext cx="12192000" cy="6858000"/>
+          </a:xfrm>
+          <a:prstGeom prst="rect">
+            <a:avLst/>
+          </a:prstGeom>
+        </p:spPr>
+      </p:pic>
+    </p:spTree>
+    <p:extLst>
+      <p:ext uri="{BB962C8B-B14F-4D97-AF65-F5344CB8AC3E}">
+        <p14:creationId xmlns:p14="http://schemas.microsoft.com/office/powerpoint/2010/main" val="1244477803"/>
+      </p:ext>
+    </p:extLst>
+  </p:cSld>
+  <p:clrMapOvr>
+    <a:masterClrMapping/>
+  </p:clrMapOvr>
+</p:sld>
+</file>
+
+<file path=ppt/slides/slide14.xml><?xml version="1.0" encoding="utf-8"?>
+<p:sld xmlns:a="http://schemas.openxmlformats.org/drawingml/2006/main" xmlns:r="http://schemas.openxmlformats.org/officeDocument/2006/relationships" xmlns:p="http://schemas.openxmlformats.org/presentationml/2006/main">
+  <p:cSld>
+    <p:spTree>
+      <p:nvGrpSpPr>
+        <p:cNvPr id="1" name=""/>
+        <p:cNvGrpSpPr/>
+        <p:nvPr/>
+      </p:nvGrpSpPr>
+      <p:grpSpPr>
+        <a:xfrm>
+          <a:off x="0" y="0"/>
+          <a:ext cx="0" cy="0"/>
+          <a:chOff x="0" y="0"/>
+          <a:chExt cx="0" cy="0"/>
+        </a:xfrm>
+      </p:grpSpPr>
+      <p:sp>
+        <p:nvSpPr>
+          <p:cNvPr id="2" name="TextBox 1">
+            <a:extLst>
+              <a:ext uri="{FF2B5EF4-FFF2-40B4-BE49-F238E27FC236}">
+                <a16:creationId xmlns:a16="http://schemas.microsoft.com/office/drawing/2014/main" id="{3CDFD070-EDD0-72DA-3089-70B2000E7257}"/>
+              </a:ext>
+            </a:extLst>
+          </p:cNvPr>
+          <p:cNvSpPr txBox="1"/>
+          <p:nvPr/>
+        </p:nvSpPr>
+        <p:spPr>
+          <a:xfrm>
+            <a:off x="4919869" y="3417955"/>
+            <a:ext cx="4333460" cy="769441"/>
+          </a:xfrm>
+          <a:prstGeom prst="rect">
+            <a:avLst/>
+          </a:prstGeom>
+        </p:spPr>
+        <p:style>
+          <a:lnRef idx="2">
+            <a:schemeClr val="accent2"/>
+          </a:lnRef>
+          <a:fillRef idx="1">
+            <a:schemeClr val="lt1"/>
+          </a:fillRef>
+          <a:effectRef idx="0">
+            <a:schemeClr val="accent2"/>
+          </a:effectRef>
+          <a:fontRef idx="minor">
+            <a:schemeClr val="dk1"/>
+          </a:fontRef>
+        </p:style>
+        <p:txBody>
+          <a:bodyPr rot="0" spcFirstLastPara="0" vertOverflow="overflow" horzOverflow="overflow" vert="horz" wrap="square" lIns="91440" tIns="45720" rIns="91440" bIns="45720" numCol="1" spcCol="0" rtlCol="0" fromWordArt="0" anchor="t" anchorCtr="0" forceAA="0" compatLnSpc="1">
+            <a:prstTxWarp prst="textNoShape">
+              <a:avLst/>
+            </a:prstTxWarp>
+            <a:spAutoFit/>
+          </a:bodyPr>
+          <a:lstStyle/>
+          <a:p>
+            <a:pPr algn="ctr"/>
+            <a:r>
+              <a:rPr lang="en-US" sz="4400" dirty="0"/>
+              <a:t>THANK YOU!</a:t>
+            </a:r>
+          </a:p>
+        </p:txBody>
+      </p:sp>
+    </p:spTree>
+    <p:extLst>
+      <p:ext uri="{BB962C8B-B14F-4D97-AF65-F5344CB8AC3E}">
+        <p14:creationId xmlns:p14="http://schemas.microsoft.com/office/powerpoint/2010/main" val="666902766"/>
       </p:ext>
     </p:extLst>
   </p:cSld>
@@ -6350,62 +6704,244 @@
           <a:chExt cx="0" cy="0"/>
         </a:xfrm>
       </p:grpSpPr>
-      <p:sp>
-        <p:nvSpPr>
-          <p:cNvPr id="2" name="TextBox 1">
-            <a:extLst>
-              <a:ext uri="{FF2B5EF4-FFF2-40B4-BE49-F238E27FC236}">
-                <a16:creationId xmlns:a16="http://schemas.microsoft.com/office/drawing/2014/main" id="{3CDFD070-EDD0-72DA-3089-70B2000E7257}"/>
-              </a:ext>
-            </a:extLst>
-          </p:cNvPr>
-          <p:cNvSpPr txBox="1"/>
+      <p:pic>
+        <p:nvPicPr>
+          <p:cNvPr id="3" name="Picture 2" descr="A picture containing text, screenshot, multimedia software, software&#10;&#10;Description automatically generated">
+            <a:extLst>
+              <a:ext uri="{FF2B5EF4-FFF2-40B4-BE49-F238E27FC236}">
+                <a16:creationId xmlns:a16="http://schemas.microsoft.com/office/drawing/2014/main" id="{6B961591-48DA-87C8-59B1-F1974D620BDE}"/>
+              </a:ext>
+            </a:extLst>
+          </p:cNvPr>
+          <p:cNvPicPr>
+            <a:picLocks noChangeAspect="1"/>
+          </p:cNvPicPr>
           <p:nvPr/>
-        </p:nvSpPr>
+        </p:nvPicPr>
+        <p:blipFill>
+          <a:blip r:embed="rId2">
+            <a:extLst>
+              <a:ext uri="{28A0092B-C50C-407E-A947-70E740481C1C}">
+                <a14:useLocalDpi xmlns:a14="http://schemas.microsoft.com/office/drawing/2010/main" val="0"/>
+              </a:ext>
+            </a:extLst>
+          </a:blip>
+          <a:stretch>
+            <a:fillRect/>
+          </a:stretch>
+        </p:blipFill>
         <p:spPr>
           <a:xfrm>
-            <a:off x="4919869" y="3417955"/>
-            <a:ext cx="4333460" cy="769441"/>
+            <a:off x="0" y="0"/>
+            <a:ext cx="12192000" cy="6858000"/>
           </a:xfrm>
           <a:prstGeom prst="rect">
             <a:avLst/>
           </a:prstGeom>
         </p:spPr>
-        <p:style>
-          <a:lnRef idx="2">
-            <a:schemeClr val="accent2"/>
-          </a:lnRef>
-          <a:fillRef idx="1">
-            <a:schemeClr val="lt1"/>
-          </a:fillRef>
-          <a:effectRef idx="0">
-            <a:schemeClr val="accent2"/>
-          </a:effectRef>
-          <a:fontRef idx="minor">
-            <a:schemeClr val="dk1"/>
-          </a:fontRef>
-        </p:style>
-        <p:txBody>
-          <a:bodyPr rot="0" spcFirstLastPara="0" vertOverflow="overflow" horzOverflow="overflow" vert="horz" wrap="square" lIns="91440" tIns="45720" rIns="91440" bIns="45720" numCol="1" spcCol="0" rtlCol="0" fromWordArt="0" anchor="t" anchorCtr="0" forceAA="0" compatLnSpc="1">
-            <a:prstTxWarp prst="textNoShape">
-              <a:avLst/>
-            </a:prstTxWarp>
-            <a:spAutoFit/>
-          </a:bodyPr>
-          <a:lstStyle/>
-          <a:p>
-            <a:pPr algn="ctr"/>
-            <a:r>
-              <a:rPr lang="en-US" sz="4400" dirty="0"/>
-              <a:t>THANK YOU!</a:t>
-            </a:r>
-          </a:p>
-        </p:txBody>
-      </p:sp>
+      </p:pic>
     </p:spTree>
     <p:extLst>
       <p:ext uri="{BB962C8B-B14F-4D97-AF65-F5344CB8AC3E}">
-        <p14:creationId xmlns:p14="http://schemas.microsoft.com/office/powerpoint/2010/main" val="666902766"/>
+        <p14:creationId xmlns:p14="http://schemas.microsoft.com/office/powerpoint/2010/main" val="3539859567"/>
+      </p:ext>
+    </p:extLst>
+  </p:cSld>
+  <p:clrMapOvr>
+    <a:masterClrMapping/>
+  </p:clrMapOvr>
+</p:sld>
+</file>
+
+<file path=ppt/slides/slide7.xml><?xml version="1.0" encoding="utf-8"?>
+<p:sld xmlns:a="http://schemas.openxmlformats.org/drawingml/2006/main" xmlns:r="http://schemas.openxmlformats.org/officeDocument/2006/relationships" xmlns:p="http://schemas.openxmlformats.org/presentationml/2006/main">
+  <p:cSld>
+    <p:spTree>
+      <p:nvGrpSpPr>
+        <p:cNvPr id="1" name=""/>
+        <p:cNvGrpSpPr/>
+        <p:nvPr/>
+      </p:nvGrpSpPr>
+      <p:grpSpPr>
+        <a:xfrm>
+          <a:off x="0" y="0"/>
+          <a:ext cx="0" cy="0"/>
+          <a:chOff x="0" y="0"/>
+          <a:chExt cx="0" cy="0"/>
+        </a:xfrm>
+      </p:grpSpPr>
+      <p:pic>
+        <p:nvPicPr>
+          <p:cNvPr id="4" name="Picture 3" descr="A screenshot of a computer&#10;&#10;Description automatically generated">
+            <a:extLst>
+              <a:ext uri="{FF2B5EF4-FFF2-40B4-BE49-F238E27FC236}">
+                <a16:creationId xmlns:a16="http://schemas.microsoft.com/office/drawing/2014/main" id="{A1F33729-2FBB-42EF-3ABE-BAAB9321DFBB}"/>
+              </a:ext>
+            </a:extLst>
+          </p:cNvPr>
+          <p:cNvPicPr>
+            <a:picLocks noChangeAspect="1"/>
+          </p:cNvPicPr>
+          <p:nvPr/>
+        </p:nvPicPr>
+        <p:blipFill>
+          <a:blip r:embed="rId2">
+            <a:extLst>
+              <a:ext uri="{28A0092B-C50C-407E-A947-70E740481C1C}">
+                <a14:useLocalDpi xmlns:a14="http://schemas.microsoft.com/office/drawing/2010/main" val="0"/>
+              </a:ext>
+            </a:extLst>
+          </a:blip>
+          <a:stretch>
+            <a:fillRect/>
+          </a:stretch>
+        </p:blipFill>
+        <p:spPr>
+          <a:xfrm>
+            <a:off x="0" y="0"/>
+            <a:ext cx="12192000" cy="6858000"/>
+          </a:xfrm>
+          <a:prstGeom prst="rect">
+            <a:avLst/>
+          </a:prstGeom>
+        </p:spPr>
+      </p:pic>
+    </p:spTree>
+    <p:extLst>
+      <p:ext uri="{BB962C8B-B14F-4D97-AF65-F5344CB8AC3E}">
+        <p14:creationId xmlns:p14="http://schemas.microsoft.com/office/powerpoint/2010/main" val="4063545851"/>
+      </p:ext>
+    </p:extLst>
+  </p:cSld>
+  <p:clrMapOvr>
+    <a:masterClrMapping/>
+  </p:clrMapOvr>
+</p:sld>
+</file>
+
+<file path=ppt/slides/slide8.xml><?xml version="1.0" encoding="utf-8"?>
+<p:sld xmlns:a="http://schemas.openxmlformats.org/drawingml/2006/main" xmlns:r="http://schemas.openxmlformats.org/officeDocument/2006/relationships" xmlns:p="http://schemas.openxmlformats.org/presentationml/2006/main">
+  <p:cSld>
+    <p:spTree>
+      <p:nvGrpSpPr>
+        <p:cNvPr id="1" name=""/>
+        <p:cNvGrpSpPr/>
+        <p:nvPr/>
+      </p:nvGrpSpPr>
+      <p:grpSpPr>
+        <a:xfrm>
+          <a:off x="0" y="0"/>
+          <a:ext cx="0" cy="0"/>
+          <a:chOff x="0" y="0"/>
+          <a:chExt cx="0" cy="0"/>
+        </a:xfrm>
+      </p:grpSpPr>
+      <p:pic>
+        <p:nvPicPr>
+          <p:cNvPr id="3" name="Picture 2" descr="A screenshot of a computer&#10;&#10;Description automatically generated">
+            <a:extLst>
+              <a:ext uri="{FF2B5EF4-FFF2-40B4-BE49-F238E27FC236}">
+                <a16:creationId xmlns:a16="http://schemas.microsoft.com/office/drawing/2014/main" id="{E052AA60-1C67-4913-A5E5-45CA056D0400}"/>
+              </a:ext>
+            </a:extLst>
+          </p:cNvPr>
+          <p:cNvPicPr>
+            <a:picLocks noChangeAspect="1"/>
+          </p:cNvPicPr>
+          <p:nvPr/>
+        </p:nvPicPr>
+        <p:blipFill>
+          <a:blip r:embed="rId2">
+            <a:extLst>
+              <a:ext uri="{28A0092B-C50C-407E-A947-70E740481C1C}">
+                <a14:useLocalDpi xmlns:a14="http://schemas.microsoft.com/office/drawing/2010/main" val="0"/>
+              </a:ext>
+            </a:extLst>
+          </a:blip>
+          <a:stretch>
+            <a:fillRect/>
+          </a:stretch>
+        </p:blipFill>
+        <p:spPr>
+          <a:xfrm>
+            <a:off x="0" y="0"/>
+            <a:ext cx="12192000" cy="6858000"/>
+          </a:xfrm>
+          <a:prstGeom prst="rect">
+            <a:avLst/>
+          </a:prstGeom>
+        </p:spPr>
+      </p:pic>
+    </p:spTree>
+    <p:extLst>
+      <p:ext uri="{BB962C8B-B14F-4D97-AF65-F5344CB8AC3E}">
+        <p14:creationId xmlns:p14="http://schemas.microsoft.com/office/powerpoint/2010/main" val="3160551865"/>
+      </p:ext>
+    </p:extLst>
+  </p:cSld>
+  <p:clrMapOvr>
+    <a:masterClrMapping/>
+  </p:clrMapOvr>
+</p:sld>
+</file>
+
+<file path=ppt/slides/slide9.xml><?xml version="1.0" encoding="utf-8"?>
+<p:sld xmlns:a="http://schemas.openxmlformats.org/drawingml/2006/main" xmlns:r="http://schemas.openxmlformats.org/officeDocument/2006/relationships" xmlns:p="http://schemas.openxmlformats.org/presentationml/2006/main">
+  <p:cSld>
+    <p:spTree>
+      <p:nvGrpSpPr>
+        <p:cNvPr id="1" name=""/>
+        <p:cNvGrpSpPr/>
+        <p:nvPr/>
+      </p:nvGrpSpPr>
+      <p:grpSpPr>
+        <a:xfrm>
+          <a:off x="0" y="0"/>
+          <a:ext cx="0" cy="0"/>
+          <a:chOff x="0" y="0"/>
+          <a:chExt cx="0" cy="0"/>
+        </a:xfrm>
+      </p:grpSpPr>
+      <p:pic>
+        <p:nvPicPr>
+          <p:cNvPr id="3" name="Picture 2" descr="A screenshot of a computer&#10;&#10;Description automatically generated">
+            <a:extLst>
+              <a:ext uri="{FF2B5EF4-FFF2-40B4-BE49-F238E27FC236}">
+                <a16:creationId xmlns:a16="http://schemas.microsoft.com/office/drawing/2014/main" id="{04F44787-1D45-97D9-15E3-6095B3F3AFF4}"/>
+              </a:ext>
+            </a:extLst>
+          </p:cNvPr>
+          <p:cNvPicPr>
+            <a:picLocks noChangeAspect="1"/>
+          </p:cNvPicPr>
+          <p:nvPr/>
+        </p:nvPicPr>
+        <p:blipFill>
+          <a:blip r:embed="rId2">
+            <a:extLst>
+              <a:ext uri="{28A0092B-C50C-407E-A947-70E740481C1C}">
+                <a14:useLocalDpi xmlns:a14="http://schemas.microsoft.com/office/drawing/2010/main" val="0"/>
+              </a:ext>
+            </a:extLst>
+          </a:blip>
+          <a:stretch>
+            <a:fillRect/>
+          </a:stretch>
+        </p:blipFill>
+        <p:spPr>
+          <a:xfrm>
+            <a:off x="0" y="0"/>
+            <a:ext cx="12192000" cy="6858000"/>
+          </a:xfrm>
+          <a:prstGeom prst="rect">
+            <a:avLst/>
+          </a:prstGeom>
+        </p:spPr>
+      </p:pic>
+    </p:spTree>
+    <p:extLst>
+      <p:ext uri="{BB962C8B-B14F-4D97-AF65-F5344CB8AC3E}">
+        <p14:creationId xmlns:p14="http://schemas.microsoft.com/office/powerpoint/2010/main" val="218215808"/>
       </p:ext>
     </p:extLst>
   </p:cSld>
